--- a/asset/Learn_ja/ITA-base_classroom_lecture_ja.pptx
+++ b/asset/Learn_ja/ITA-base_classroom_lecture_ja.pptx
@@ -316,7 +316,7 @@
               <a:rPr kumimoji="1" lang="ja-JP" altLang="en-US" smtClean="0">
                 <a:ea typeface="メイリオ" panose="020B0604030504040204" pitchFamily="50" charset="-128"/>
               </a:rPr>
-              <a:t>2021/8/19</a:t>
+              <a:t>2021/8/20</a:t>
             </a:fld>
             <a:endParaRPr kumimoji="1" lang="ja-JP" altLang="en-US" dirty="0">
               <a:ea typeface="メイリオ" panose="020B0604030504040204" pitchFamily="50" charset="-128"/>
@@ -462,7 +462,7 @@
             <a:fld id="{4B26993D-C081-44EB-B0F5-A9F467792B62}" type="datetimeFigureOut">
               <a:rPr lang="ja-JP" altLang="en-US" smtClean="0"/>
               <a:pPr/>
-              <a:t>2021/8/19</a:t>
+              <a:t>2021/8/20</a:t>
             </a:fld>
             <a:endParaRPr lang="ja-JP" altLang="en-US" dirty="0"/>
           </a:p>
@@ -1591,7 +1591,7 @@
           <a:p>
             <a:fld id="{56F9016B-CCA6-43BE-8BEE-59565A35F4F7}" type="datetimeFigureOut">
               <a:rPr kumimoji="1" lang="ja-JP" altLang="en-US" smtClean="0"/>
-              <a:t>2021/8/19</a:t>
+              <a:t>2021/8/20</a:t>
             </a:fld>
             <a:endParaRPr kumimoji="1" lang="ja-JP" altLang="en-US"/>
           </a:p>
@@ -1791,7 +1791,7 @@
           <a:p>
             <a:fld id="{56F9016B-CCA6-43BE-8BEE-59565A35F4F7}" type="datetimeFigureOut">
               <a:rPr kumimoji="1" lang="ja-JP" altLang="en-US" smtClean="0"/>
-              <a:t>2021/8/19</a:t>
+              <a:t>2021/8/20</a:t>
             </a:fld>
             <a:endParaRPr kumimoji="1" lang="ja-JP" altLang="en-US"/>
           </a:p>
@@ -2036,7 +2036,7 @@
           <a:p>
             <a:fld id="{56F9016B-CCA6-43BE-8BEE-59565A35F4F7}" type="datetimeFigureOut">
               <a:rPr kumimoji="1" lang="ja-JP" altLang="en-US" smtClean="0"/>
-              <a:t>2021/8/19</a:t>
+              <a:t>2021/8/20</a:t>
             </a:fld>
             <a:endParaRPr kumimoji="1" lang="ja-JP" altLang="en-US"/>
           </a:p>
@@ -2329,7 +2329,7 @@
           <a:p>
             <a:fld id="{56F9016B-CCA6-43BE-8BEE-59565A35F4F7}" type="datetimeFigureOut">
               <a:rPr kumimoji="1" lang="ja-JP" altLang="en-US" smtClean="0"/>
-              <a:t>2021/8/19</a:t>
+              <a:t>2021/8/20</a:t>
             </a:fld>
             <a:endParaRPr kumimoji="1" lang="ja-JP" altLang="en-US"/>
           </a:p>
@@ -2757,7 +2757,7 @@
           <a:p>
             <a:fld id="{56F9016B-CCA6-43BE-8BEE-59565A35F4F7}" type="datetimeFigureOut">
               <a:rPr kumimoji="1" lang="ja-JP" altLang="en-US" smtClean="0"/>
-              <a:t>2021/8/19</a:t>
+              <a:t>2021/8/20</a:t>
             </a:fld>
             <a:endParaRPr kumimoji="1" lang="ja-JP" altLang="en-US"/>
           </a:p>
@@ -2874,7 +2874,7 @@
           <a:p>
             <a:fld id="{56F9016B-CCA6-43BE-8BEE-59565A35F4F7}" type="datetimeFigureOut">
               <a:rPr kumimoji="1" lang="ja-JP" altLang="en-US" smtClean="0"/>
-              <a:t>2021/8/19</a:t>
+              <a:t>2021/8/20</a:t>
             </a:fld>
             <a:endParaRPr kumimoji="1" lang="ja-JP" altLang="en-US"/>
           </a:p>
@@ -2969,7 +2969,7 @@
           <a:p>
             <a:fld id="{56F9016B-CCA6-43BE-8BEE-59565A35F4F7}" type="datetimeFigureOut">
               <a:rPr kumimoji="1" lang="ja-JP" altLang="en-US" smtClean="0"/>
-              <a:t>2021/8/19</a:t>
+              <a:t>2021/8/20</a:t>
             </a:fld>
             <a:endParaRPr kumimoji="1" lang="ja-JP" altLang="en-US"/>
           </a:p>
@@ -3276,7 +3276,7 @@
           <a:p>
             <a:fld id="{56F9016B-CCA6-43BE-8BEE-59565A35F4F7}" type="datetimeFigureOut">
               <a:rPr kumimoji="1" lang="ja-JP" altLang="en-US" smtClean="0"/>
-              <a:t>2021/8/19</a:t>
+              <a:t>2021/8/20</a:t>
             </a:fld>
             <a:endParaRPr kumimoji="1" lang="ja-JP" altLang="en-US"/>
           </a:p>
@@ -3528,7 +3528,7 @@
           <a:p>
             <a:fld id="{56F9016B-CCA6-43BE-8BEE-59565A35F4F7}" type="datetimeFigureOut">
               <a:rPr kumimoji="1" lang="ja-JP" altLang="en-US" smtClean="0"/>
-              <a:t>2021/8/19</a:t>
+              <a:t>2021/8/20</a:t>
             </a:fld>
             <a:endParaRPr kumimoji="1" lang="ja-JP" altLang="en-US"/>
           </a:p>
@@ -3795,7 +3795,7 @@
           <a:p>
             <a:fld id="{56F9016B-CCA6-43BE-8BEE-59565A35F4F7}" type="datetimeFigureOut">
               <a:rPr kumimoji="1" lang="ja-JP" altLang="en-US" smtClean="0"/>
-              <a:t>2021/8/19</a:t>
+              <a:t>2021/8/20</a:t>
             </a:fld>
             <a:endParaRPr kumimoji="1" lang="ja-JP" altLang="en-US"/>
           </a:p>
@@ -4005,7 +4005,7 @@
           <a:p>
             <a:fld id="{56F9016B-CCA6-43BE-8BEE-59565A35F4F7}" type="datetimeFigureOut">
               <a:rPr kumimoji="1" lang="ja-JP" altLang="en-US" smtClean="0"/>
-              <a:t>2021/8/19</a:t>
+              <a:t>2021/8/20</a:t>
             </a:fld>
             <a:endParaRPr kumimoji="1" lang="ja-JP" altLang="en-US"/>
           </a:p>
@@ -6997,7 +6997,7 @@
           <a:p>
             <a:fld id="{56F9016B-CCA6-43BE-8BEE-59565A35F4F7}" type="datetimeFigureOut">
               <a:rPr kumimoji="1" lang="ja-JP" altLang="en-US" smtClean="0"/>
-              <a:t>2021/8/19</a:t>
+              <a:t>2021/8/20</a:t>
             </a:fld>
             <a:endParaRPr kumimoji="1" lang="ja-JP" altLang="en-US"/>
           </a:p>
@@ -25054,7 +25054,23 @@
             </a:r>
             <a:r>
               <a:rPr lang="ja-JP" altLang="en-US" dirty="0"/>
-              <a:t>ユーザ毎にアクセスを許可するロールを付与することで、ロールごとにメニューへのアクセスを制御することができます。また紐付の際には「メンテナンス可」「閲覧のみ」が選択でき、「メンテナンス可」を選択するとデータや履歴の確認、複製、更新、廃止を行えます。「閲覧のみ」を選択するとデータと履歴の確認のみ行うことができます。</a:t>
+              <a:t>ユーザ毎にアクセスを許可するロールを付与することで</a:t>
+            </a:r>
+            <a:r>
+              <a:rPr lang="ja-JP" altLang="en-US" dirty="0" smtClean="0"/>
+              <a:t>、</a:t>
+            </a:r>
+            <a:r>
+              <a:rPr lang="ja-JP" altLang="en-US" dirty="0"/>
+              <a:t>ユーザ</a:t>
+            </a:r>
+            <a:r>
+              <a:rPr lang="ja-JP" altLang="en-US" dirty="0" smtClean="0"/>
+              <a:t>ごとに</a:t>
+            </a:r>
+            <a:r>
+              <a:rPr lang="ja-JP" altLang="en-US" dirty="0"/>
+              <a:t>メニューへのアクセスを制御することができます。また紐付の際には「メンテナンス可」「閲覧のみ」が選択でき、「メンテナンス可」を選択するとデータや履歴の確認、複製、更新、廃止を行えます。「閲覧のみ」を選択するとデータと履歴の確認のみ行うことができます。</a:t>
             </a:r>
             <a:endParaRPr lang="en-US" altLang="ja-JP" b="1" dirty="0"/>
           </a:p>

--- a/asset/Learn_ja/ITA-base_classroom_lecture_ja.pptx
+++ b/asset/Learn_ja/ITA-base_classroom_lecture_ja.pptx
@@ -27,7 +27,7 @@
     <p:sldId id="558" r:id="rId15"/>
     <p:sldId id="522" r:id="rId16"/>
     <p:sldId id="524" r:id="rId17"/>
-    <p:sldId id="582" r:id="rId18"/>
+    <p:sldId id="592" r:id="rId18"/>
     <p:sldId id="590" r:id="rId19"/>
   </p:sldIdLst>
   <p:sldSz cx="9144000" cy="6858000" type="screen4x3"/>
@@ -160,7 +160,7 @@
             <p14:sldId id="558"/>
             <p14:sldId id="522"/>
             <p14:sldId id="524"/>
-            <p14:sldId id="582"/>
+            <p14:sldId id="592"/>
             <p14:sldId id="590"/>
           </p14:sldIdLst>
         </p14:section>
@@ -224,14 +224,6 @@
 </p:cmAuthorLst>
 </file>
 
-<file path=ppt/revisionInfo.xml><?xml version="1.0" encoding="utf-8"?>
-<p1510:revInfo xmlns:a="http://schemas.openxmlformats.org/drawingml/2006/main" xmlns:r="http://schemas.openxmlformats.org/officeDocument/2006/relationships" xmlns:p1510="http://schemas.microsoft.com/office/powerpoint/2015/10/main">
-  <p1510:revLst>
-    <p1510:client id="{9CF5B5F6-8096-4ACB-B323-AA0288CFC10F}" v="7" dt="2021-08-19T08:47:42.086"/>
-  </p1510:revLst>
-</p1510:revInfo>
-</file>
-
 <file path=ppt/handoutMasters/handoutMaster1.xml><?xml version="1.0" encoding="utf-8"?>
 <p:handoutMaster xmlns:a="http://schemas.openxmlformats.org/drawingml/2006/main" xmlns:r="http://schemas.openxmlformats.org/officeDocument/2006/relationships" xmlns:p="http://schemas.openxmlformats.org/presentationml/2006/main">
   <p:cSld>
@@ -318,7 +310,7 @@
               <a:rPr kumimoji="1" lang="ja-JP" altLang="en-US" smtClean="0">
                 <a:ea typeface="メイリオ" panose="020B0604030504040204" pitchFamily="50" charset="-128"/>
               </a:rPr>
-              <a:t>2022/1/4</a:t>
+              <a:t>2022/5/13</a:t>
             </a:fld>
             <a:endParaRPr kumimoji="1" lang="ja-JP" altLang="en-US" dirty="0">
               <a:ea typeface="メイリオ" panose="020B0604030504040204" pitchFamily="50" charset="-128"/>
@@ -464,7 +456,7 @@
             <a:fld id="{4B26993D-C081-44EB-B0F5-A9F467792B62}" type="datetimeFigureOut">
               <a:rPr lang="ja-JP" altLang="en-US" smtClean="0"/>
               <a:pPr/>
-              <a:t>2022/1/4</a:t>
+              <a:t>2022/5/13</a:t>
             </a:fld>
             <a:endParaRPr lang="ja-JP" altLang="en-US" dirty="0"/>
           </a:p>
@@ -1296,7 +1288,7 @@
     </p:spTree>
     <p:extLst>
       <p:ext uri="{BB962C8B-B14F-4D97-AF65-F5344CB8AC3E}">
-        <p14:creationId xmlns:p14="http://schemas.microsoft.com/office/powerpoint/2010/main" val="3394322470"/>
+        <p14:creationId xmlns:p14="http://schemas.microsoft.com/office/powerpoint/2010/main" val="2956920926"/>
       </p:ext>
     </p:extLst>
   </p:cSld>
@@ -1698,7 +1690,7 @@
           <a:p>
             <a:fld id="{56F9016B-CCA6-43BE-8BEE-59565A35F4F7}" type="datetimeFigureOut">
               <a:rPr kumimoji="1" lang="ja-JP" altLang="en-US" smtClean="0"/>
-              <a:t>2022/1/4</a:t>
+              <a:t>2022/5/13</a:t>
             </a:fld>
             <a:endParaRPr kumimoji="1" lang="ja-JP" altLang="en-US"/>
           </a:p>
@@ -1898,7 +1890,7 @@
           <a:p>
             <a:fld id="{56F9016B-CCA6-43BE-8BEE-59565A35F4F7}" type="datetimeFigureOut">
               <a:rPr kumimoji="1" lang="ja-JP" altLang="en-US" smtClean="0"/>
-              <a:t>2022/1/4</a:t>
+              <a:t>2022/5/13</a:t>
             </a:fld>
             <a:endParaRPr kumimoji="1" lang="ja-JP" altLang="en-US"/>
           </a:p>
@@ -2143,7 +2135,7 @@
           <a:p>
             <a:fld id="{56F9016B-CCA6-43BE-8BEE-59565A35F4F7}" type="datetimeFigureOut">
               <a:rPr kumimoji="1" lang="ja-JP" altLang="en-US" smtClean="0"/>
-              <a:t>2022/1/4</a:t>
+              <a:t>2022/5/13</a:t>
             </a:fld>
             <a:endParaRPr kumimoji="1" lang="ja-JP" altLang="en-US"/>
           </a:p>
@@ -2436,7 +2428,7 @@
           <a:p>
             <a:fld id="{56F9016B-CCA6-43BE-8BEE-59565A35F4F7}" type="datetimeFigureOut">
               <a:rPr kumimoji="1" lang="ja-JP" altLang="en-US" smtClean="0"/>
-              <a:t>2022/1/4</a:t>
+              <a:t>2022/5/13</a:t>
             </a:fld>
             <a:endParaRPr kumimoji="1" lang="ja-JP" altLang="en-US"/>
           </a:p>
@@ -2864,7 +2856,7 @@
           <a:p>
             <a:fld id="{56F9016B-CCA6-43BE-8BEE-59565A35F4F7}" type="datetimeFigureOut">
               <a:rPr kumimoji="1" lang="ja-JP" altLang="en-US" smtClean="0"/>
-              <a:t>2022/1/4</a:t>
+              <a:t>2022/5/13</a:t>
             </a:fld>
             <a:endParaRPr kumimoji="1" lang="ja-JP" altLang="en-US"/>
           </a:p>
@@ -2981,7 +2973,7 @@
           <a:p>
             <a:fld id="{56F9016B-CCA6-43BE-8BEE-59565A35F4F7}" type="datetimeFigureOut">
               <a:rPr kumimoji="1" lang="ja-JP" altLang="en-US" smtClean="0"/>
-              <a:t>2022/1/4</a:t>
+              <a:t>2022/5/13</a:t>
             </a:fld>
             <a:endParaRPr kumimoji="1" lang="ja-JP" altLang="en-US"/>
           </a:p>
@@ -3076,7 +3068,7 @@
           <a:p>
             <a:fld id="{56F9016B-CCA6-43BE-8BEE-59565A35F4F7}" type="datetimeFigureOut">
               <a:rPr kumimoji="1" lang="ja-JP" altLang="en-US" smtClean="0"/>
-              <a:t>2022/1/4</a:t>
+              <a:t>2022/5/13</a:t>
             </a:fld>
             <a:endParaRPr kumimoji="1" lang="ja-JP" altLang="en-US"/>
           </a:p>
@@ -3383,7 +3375,7 @@
           <a:p>
             <a:fld id="{56F9016B-CCA6-43BE-8BEE-59565A35F4F7}" type="datetimeFigureOut">
               <a:rPr kumimoji="1" lang="ja-JP" altLang="en-US" smtClean="0"/>
-              <a:t>2022/1/4</a:t>
+              <a:t>2022/5/13</a:t>
             </a:fld>
             <a:endParaRPr kumimoji="1" lang="ja-JP" altLang="en-US"/>
           </a:p>
@@ -3635,7 +3627,7 @@
           <a:p>
             <a:fld id="{56F9016B-CCA6-43BE-8BEE-59565A35F4F7}" type="datetimeFigureOut">
               <a:rPr kumimoji="1" lang="ja-JP" altLang="en-US" smtClean="0"/>
-              <a:t>2022/1/4</a:t>
+              <a:t>2022/5/13</a:t>
             </a:fld>
             <a:endParaRPr kumimoji="1" lang="ja-JP" altLang="en-US"/>
           </a:p>
@@ -3902,7 +3894,7 @@
           <a:p>
             <a:fld id="{56F9016B-CCA6-43BE-8BEE-59565A35F4F7}" type="datetimeFigureOut">
               <a:rPr kumimoji="1" lang="ja-JP" altLang="en-US" smtClean="0"/>
-              <a:t>2022/1/4</a:t>
+              <a:t>2022/5/13</a:t>
             </a:fld>
             <a:endParaRPr kumimoji="1" lang="ja-JP" altLang="en-US"/>
           </a:p>
@@ -4112,7 +4104,7 @@
           <a:p>
             <a:fld id="{56F9016B-CCA6-43BE-8BEE-59565A35F4F7}" type="datetimeFigureOut">
               <a:rPr kumimoji="1" lang="ja-JP" altLang="en-US" smtClean="0"/>
-              <a:t>2022/1/4</a:t>
+              <a:t>2022/5/13</a:t>
             </a:fld>
             <a:endParaRPr kumimoji="1" lang="ja-JP" altLang="en-US"/>
           </a:p>
@@ -4990,10 +4982,6 @@
             <a:r>
               <a:rPr kumimoji="1" lang="ja-JP" altLang="en-US" dirty="0"/>
               <a:t>行にわたる場合は</a:t>
-            </a:r>
-            <a:r>
-              <a:rPr kumimoji="1" lang="en-US" altLang="ja-JP" dirty="0"/>
-              <a:t/>
             </a:r>
             <a:br>
               <a:rPr kumimoji="1" lang="en-US" altLang="ja-JP" dirty="0"/>
@@ -7104,7 +7092,7 @@
           <a:p>
             <a:fld id="{56F9016B-CCA6-43BE-8BEE-59565A35F4F7}" type="datetimeFigureOut">
               <a:rPr kumimoji="1" lang="ja-JP" altLang="en-US" smtClean="0"/>
-              <a:t>2022/1/4</a:t>
+              <a:t>2022/5/13</a:t>
             </a:fld>
             <a:endParaRPr kumimoji="1" lang="ja-JP" altLang="en-US"/>
           </a:p>
@@ -7535,17 +7523,8 @@
             </a:r>
             <a:r>
               <a:rPr lang="en-US" altLang="ja-JP" dirty="0"/>
-              <a:t> IT Automation Version </a:t>
-            </a:r>
-            <a:r>
-              <a:rPr lang="en-US" altLang="ja-JP" dirty="0" smtClean="0"/>
-              <a:t>1.</a:t>
-            </a:r>
-            <a:r>
-              <a:rPr lang="ja-JP" altLang="en-US" dirty="0" smtClean="0"/>
-              <a:t>９</a:t>
-            </a:r>
-            <a:endParaRPr lang="en-US" altLang="ja-JP" dirty="0"/>
+              <a:t> IT Automation Version 1.10</a:t>
+            </a:r>
           </a:p>
           <a:p>
             <a:r>
@@ -14551,22 +14530,27 @@
       </p:grpSpPr>
       <p:pic>
         <p:nvPicPr>
-          <p:cNvPr id="14" name="図 13"/>
+          <p:cNvPr id="10" name="図 9">
+            <a:extLst>
+              <a:ext uri="{FF2B5EF4-FFF2-40B4-BE49-F238E27FC236}">
+                <a16:creationId xmlns:a16="http://schemas.microsoft.com/office/drawing/2014/main" id="{1CDFDDED-9627-4829-85D6-60BDDEE8ED62}"/>
+              </a:ext>
+            </a:extLst>
+          </p:cNvPr>
           <p:cNvPicPr>
             <a:picLocks noChangeAspect="1"/>
           </p:cNvPicPr>
           <p:nvPr/>
         </p:nvPicPr>
-        <p:blipFill>
+        <p:blipFill rotWithShape="1">
           <a:blip r:embed="rId3"/>
-          <a:stretch>
-            <a:fillRect/>
-          </a:stretch>
+          <a:srcRect r="1968"/>
+          <a:stretch/>
         </p:blipFill>
         <p:spPr>
           <a:xfrm>
-            <a:off x="466033" y="4260296"/>
-            <a:ext cx="8278477" cy="1815520"/>
+            <a:off x="-488" y="4228985"/>
+            <a:ext cx="9144487" cy="1792304"/>
           </a:xfrm>
           <a:prstGeom prst="rect">
             <a:avLst/>
@@ -14704,8 +14688,8 @@
         </p:nvSpPr>
         <p:spPr bwMode="auto">
           <a:xfrm>
-            <a:off x="1080929" y="4567151"/>
-            <a:ext cx="1656230" cy="432000"/>
+            <a:off x="611450" y="4509150"/>
+            <a:ext cx="1890970" cy="396025"/>
           </a:xfrm>
           <a:prstGeom prst="roundRect">
             <a:avLst>
@@ -15571,16 +15555,52 @@
           </a:graphicData>
         </a:graphic>
       </p:graphicFrame>
+      <p:pic>
+        <p:nvPicPr>
+          <p:cNvPr id="8" name="図 7">
+            <a:extLst>
+              <a:ext uri="{FF2B5EF4-FFF2-40B4-BE49-F238E27FC236}">
+                <a16:creationId xmlns:a16="http://schemas.microsoft.com/office/drawing/2014/main" id="{83EC209C-9761-4DDB-A5A0-6F0C21C384D9}"/>
+              </a:ext>
+            </a:extLst>
+          </p:cNvPr>
+          <p:cNvPicPr>
+            <a:picLocks noChangeAspect="1"/>
+          </p:cNvPicPr>
+          <p:nvPr/>
+        </p:nvPicPr>
+        <p:blipFill>
+          <a:blip r:embed="rId4"/>
+          <a:stretch>
+            <a:fillRect/>
+          </a:stretch>
+        </p:blipFill>
+        <p:spPr>
+          <a:xfrm>
+            <a:off x="7381084" y="4913989"/>
+            <a:ext cx="791416" cy="971576"/>
+          </a:xfrm>
+          <a:prstGeom prst="rect">
+            <a:avLst/>
+          </a:prstGeom>
+        </p:spPr>
+      </p:pic>
       <p:sp>
         <p:nvSpPr>
-          <p:cNvPr id="18" name="角丸四角形 17"/>
+          <p:cNvPr id="15" name="角丸四角形 6">
+            <a:extLst>
+              <a:ext uri="{FF2B5EF4-FFF2-40B4-BE49-F238E27FC236}">
+                <a16:creationId xmlns:a16="http://schemas.microsoft.com/office/drawing/2014/main" id="{37DB7F15-7D52-4B92-BB9D-0995E484C9F7}"/>
+              </a:ext>
+            </a:extLst>
+          </p:cNvPr>
           <p:cNvSpPr/>
           <p:nvPr/>
         </p:nvSpPr>
         <p:spPr bwMode="auto">
           <a:xfrm>
-            <a:off x="3904317" y="4567151"/>
-            <a:ext cx="1765659" cy="432000"/>
+            <a:off x="3724474" y="4500424"/>
+            <a:ext cx="1890969" cy="396025"/>
           </a:xfrm>
           <a:prstGeom prst="roundRect">
             <a:avLst>
@@ -15616,14 +15636,20 @@
       </p:sp>
       <p:sp>
         <p:nvSpPr>
-          <p:cNvPr id="19" name="角丸四角形 18"/>
+          <p:cNvPr id="16" name="角丸四角形 6">
+            <a:extLst>
+              <a:ext uri="{FF2B5EF4-FFF2-40B4-BE49-F238E27FC236}">
+                <a16:creationId xmlns:a16="http://schemas.microsoft.com/office/drawing/2014/main" id="{78C3A5C4-B78D-4BA1-98CB-8D8A432F7CAD}"/>
+              </a:ext>
+            </a:extLst>
+          </p:cNvPr>
           <p:cNvSpPr/>
           <p:nvPr/>
         </p:nvSpPr>
         <p:spPr bwMode="auto">
           <a:xfrm>
-            <a:off x="7057760" y="4567151"/>
-            <a:ext cx="864120" cy="432000"/>
+            <a:off x="7381084" y="4509150"/>
+            <a:ext cx="1007446" cy="396025"/>
           </a:xfrm>
           <a:prstGeom prst="roundRect">
             <a:avLst>
@@ -25420,32 +25446,8 @@
         </p:blipFill>
         <p:spPr>
           <a:xfrm>
-            <a:off x="3338490" y="3717040"/>
+            <a:off x="3451546" y="3717040"/>
             <a:ext cx="5400750" cy="2570128"/>
-          </a:xfrm>
-          <a:prstGeom prst="rect">
-            <a:avLst/>
-          </a:prstGeom>
-        </p:spPr>
-      </p:pic>
-      <p:pic>
-        <p:nvPicPr>
-          <p:cNvPr id="8" name="図 7"/>
-          <p:cNvPicPr>
-            <a:picLocks noChangeAspect="1"/>
-          </p:cNvPicPr>
-          <p:nvPr/>
-        </p:nvPicPr>
-        <p:blipFill>
-          <a:blip r:embed="rId5"/>
-          <a:stretch>
-            <a:fillRect/>
-          </a:stretch>
-        </p:blipFill>
-        <p:spPr>
-          <a:xfrm>
-            <a:off x="398276" y="2768775"/>
-            <a:ext cx="2808390" cy="2352596"/>
           </a:xfrm>
           <a:prstGeom prst="rect">
             <a:avLst/>
@@ -25460,7 +25462,7 @@
         </p:nvSpPr>
         <p:spPr bwMode="auto">
           <a:xfrm rot="10800000" flipH="1">
-            <a:off x="1547580" y="5352120"/>
+            <a:off x="1696992" y="5326304"/>
             <a:ext cx="1587077" cy="443419"/>
           </a:xfrm>
           <a:prstGeom prst="bentArrow">
@@ -25495,10 +25497,40 @@
           </a:p>
         </p:txBody>
       </p:sp>
+      <p:pic>
+        <p:nvPicPr>
+          <p:cNvPr id="4" name="図 3">
+            <a:extLst>
+              <a:ext uri="{FF2B5EF4-FFF2-40B4-BE49-F238E27FC236}">
+                <a16:creationId xmlns:a16="http://schemas.microsoft.com/office/drawing/2014/main" id="{E2F7DEED-302B-432B-B157-70FD9746A2B7}"/>
+              </a:ext>
+            </a:extLst>
+          </p:cNvPr>
+          <p:cNvPicPr>
+            <a:picLocks noChangeAspect="1"/>
+          </p:cNvPicPr>
+          <p:nvPr/>
+        </p:nvPicPr>
+        <p:blipFill>
+          <a:blip r:embed="rId5"/>
+          <a:stretch>
+            <a:fillRect/>
+          </a:stretch>
+        </p:blipFill>
+        <p:spPr>
+          <a:xfrm>
+            <a:off x="147699" y="2855858"/>
+            <a:ext cx="3098584" cy="2370416"/>
+          </a:xfrm>
+          <a:prstGeom prst="rect">
+            <a:avLst/>
+          </a:prstGeom>
+        </p:spPr>
+      </p:pic>
     </p:spTree>
     <p:extLst>
       <p:ext uri="{BB962C8B-B14F-4D97-AF65-F5344CB8AC3E}">
-        <p14:creationId xmlns:p14="http://schemas.microsoft.com/office/powerpoint/2010/main" val="101046972"/>
+        <p14:creationId xmlns:p14="http://schemas.microsoft.com/office/powerpoint/2010/main" val="3820832816"/>
       </p:ext>
     </p:extLst>
   </p:cSld>
@@ -26276,17 +26308,12 @@
             </a:pPr>
             <a:r>
               <a:rPr lang="ja-JP" altLang="en-US" sz="1800" dirty="0"/>
-              <a:t>　各種情報の登録を行います。設定項目は、以下のとおりです</a:t>
-            </a:r>
-            <a:r>
-              <a:rPr lang="ja-JP" altLang="en-US" sz="1800" dirty="0" smtClean="0"/>
-              <a:t>。（次項に続く</a:t>
-            </a:r>
-            <a:r>
-              <a:rPr lang="en-US" altLang="ja-JP" sz="1800" dirty="0" smtClean="0"/>
+              <a:t>　各種情報の登録を行います。設定項目は、以下のとおりです。（次項に続く</a:t>
+            </a:r>
+            <a:r>
+              <a:rPr lang="en-US" altLang="ja-JP" sz="1800" dirty="0"/>
               <a:t>)</a:t>
             </a:r>
-            <a:endParaRPr lang="en-US" altLang="ja-JP" sz="1800" dirty="0"/>
           </a:p>
         </p:txBody>
       </p:sp>
@@ -27645,11 +27672,7 @@
             </a:pPr>
             <a:r>
               <a:rPr lang="ja-JP" altLang="en-US" sz="1800" dirty="0"/>
-              <a:t>　各種情報の登録を行います。設定項目は、以下のとおりです</a:t>
-            </a:r>
-            <a:r>
-              <a:rPr lang="ja-JP" altLang="en-US" sz="1800" dirty="0" smtClean="0"/>
-              <a:t>。</a:t>
+              <a:t>　各種情報の登録を行います。設定項目は、以下のとおりです。</a:t>
             </a:r>
             <a:endParaRPr lang="en-US" altLang="ja-JP" sz="1800" dirty="0"/>
           </a:p>
@@ -27843,7 +27866,7 @@
                     <a:lstStyle/>
                     <a:p>
                       <a:r>
-                        <a:rPr kumimoji="1" lang="zh-TW" altLang="en-US" sz="1400" b="1" i="0" kern="1200" dirty="0" smtClean="0">
+                        <a:rPr kumimoji="1" lang="zh-TW" altLang="en-US" sz="1400" b="1" i="0" kern="1200" dirty="0">
                           <a:solidFill>
                             <a:schemeClr val="tx1"/>
                           </a:solidFill>
@@ -27913,7 +27936,7 @@
                     <a:lstStyle/>
                     <a:p>
                       <a:r>
-                        <a:rPr kumimoji="1" lang="ja-JP" altLang="en-US" sz="1400" b="0" i="0" kern="1200" dirty="0" smtClean="0">
+                        <a:rPr kumimoji="1" lang="ja-JP" altLang="en-US" sz="1400" b="0" i="0" kern="1200" dirty="0">
                           <a:solidFill>
                             <a:schemeClr val="tx1"/>
                           </a:solidFill>
@@ -27925,7 +27948,7 @@
                         <a:t>未操作時に認証</a:t>
                       </a:r>
                       <a:r>
-                        <a:rPr kumimoji="1" lang="en-US" altLang="ja-JP" sz="1400" b="0" i="0" kern="1200" dirty="0" smtClean="0">
+                        <a:rPr kumimoji="1" lang="en-US" altLang="ja-JP" sz="1400" b="0" i="0" kern="1200" dirty="0">
                           <a:solidFill>
                             <a:schemeClr val="tx1"/>
                           </a:solidFill>
@@ -27937,7 +27960,7 @@
                         <a:t>(</a:t>
                       </a:r>
                       <a:r>
-                        <a:rPr kumimoji="1" lang="ja-JP" altLang="en-US" sz="1400" b="0" i="0" kern="1200" dirty="0" smtClean="0">
+                        <a:rPr kumimoji="1" lang="ja-JP" altLang="en-US" sz="1400" b="0" i="0" kern="1200" dirty="0">
                           <a:solidFill>
                             <a:schemeClr val="tx1"/>
                           </a:solidFill>
@@ -27949,7 +27972,7 @@
                         <a:t>セッション</a:t>
                       </a:r>
                       <a:r>
-                        <a:rPr kumimoji="1" lang="en-US" altLang="ja-JP" sz="1400" b="0" i="0" kern="1200" dirty="0" smtClean="0">
+                        <a:rPr kumimoji="1" lang="en-US" altLang="ja-JP" sz="1400" b="0" i="0" kern="1200" dirty="0">
                           <a:solidFill>
                             <a:schemeClr val="tx1"/>
                           </a:solidFill>
@@ -27961,7 +27984,7 @@
                         <a:t>)</a:t>
                       </a:r>
                       <a:r>
-                        <a:rPr kumimoji="1" lang="ja-JP" altLang="en-US" sz="1400" b="0" i="0" kern="1200" dirty="0" smtClean="0">
+                        <a:rPr kumimoji="1" lang="ja-JP" altLang="en-US" sz="1400" b="0" i="0" kern="1200" dirty="0">
                           <a:solidFill>
                             <a:schemeClr val="tx1"/>
                           </a:solidFill>
@@ -28038,7 +28061,7 @@
                     <a:lstStyle/>
                     <a:p>
                       <a:r>
-                        <a:rPr kumimoji="1" lang="zh-TW" altLang="en-US" sz="1400" b="1" i="0" kern="1200" dirty="0" smtClean="0">
+                        <a:rPr kumimoji="1" lang="zh-TW" altLang="en-US" sz="1400" b="1" i="0" kern="1200" dirty="0">
                           <a:solidFill>
                             <a:schemeClr val="tx1"/>
                           </a:solidFill>
@@ -28108,7 +28131,7 @@
                     <a:lstStyle/>
                     <a:p>
                       <a:r>
-                        <a:rPr kumimoji="1" lang="ja-JP" altLang="en-US" sz="1400" b="0" i="0" kern="1200" dirty="0" smtClean="0">
+                        <a:rPr kumimoji="1" lang="ja-JP" altLang="en-US" sz="1400" b="0" i="0" kern="1200" dirty="0">
                           <a:solidFill>
                             <a:schemeClr val="tx1"/>
                           </a:solidFill>
@@ -28120,7 +28143,7 @@
                         <a:t>認証</a:t>
                       </a:r>
                       <a:r>
-                        <a:rPr kumimoji="1" lang="en-US" altLang="ja-JP" sz="1400" b="0" i="0" kern="1200" dirty="0" smtClean="0">
+                        <a:rPr kumimoji="1" lang="en-US" altLang="ja-JP" sz="1400" b="0" i="0" kern="1200" dirty="0">
                           <a:solidFill>
                             <a:schemeClr val="tx1"/>
                           </a:solidFill>
@@ -28132,7 +28155,7 @@
                         <a:t>(</a:t>
                       </a:r>
                       <a:r>
-                        <a:rPr kumimoji="1" lang="ja-JP" altLang="en-US" sz="1400" b="0" i="0" kern="1200" dirty="0" smtClean="0">
+                        <a:rPr kumimoji="1" lang="ja-JP" altLang="en-US" sz="1400" b="0" i="0" kern="1200" dirty="0">
                           <a:solidFill>
                             <a:schemeClr val="tx1"/>
                           </a:solidFill>
@@ -28144,7 +28167,7 @@
                         <a:t>セッション</a:t>
                       </a:r>
                       <a:r>
-                        <a:rPr kumimoji="1" lang="en-US" altLang="ja-JP" sz="1400" b="0" i="0" kern="1200" dirty="0" smtClean="0">
+                        <a:rPr kumimoji="1" lang="en-US" altLang="ja-JP" sz="1400" b="0" i="0" kern="1200" dirty="0">
                           <a:solidFill>
                             <a:schemeClr val="tx1"/>
                           </a:solidFill>
@@ -28156,7 +28179,7 @@
                         <a:t>)</a:t>
                       </a:r>
                       <a:r>
-                        <a:rPr kumimoji="1" lang="ja-JP" altLang="en-US" sz="1400" b="0" i="0" kern="1200" dirty="0" smtClean="0">
+                        <a:rPr kumimoji="1" lang="ja-JP" altLang="en-US" sz="1400" b="0" i="0" kern="1200" dirty="0">
                           <a:solidFill>
                             <a:schemeClr val="tx1"/>
                           </a:solidFill>
@@ -28233,7 +28256,7 @@
                     <a:lstStyle/>
                     <a:p>
                       <a:r>
-                        <a:rPr kumimoji="1" lang="ja-JP" altLang="en-US" sz="1400" b="1" i="0" kern="1200" dirty="0" smtClean="0">
+                        <a:rPr kumimoji="1" lang="ja-JP" altLang="en-US" sz="1400" b="1" i="0" kern="1200" dirty="0">
                           <a:solidFill>
                             <a:schemeClr val="tx1"/>
                           </a:solidFill>
@@ -28303,7 +28326,7 @@
                     <a:lstStyle/>
                     <a:p>
                       <a:r>
-                        <a:rPr kumimoji="1" lang="ja-JP" altLang="en-US" sz="1400" b="0" i="0" kern="1200" dirty="0" smtClean="0">
+                        <a:rPr kumimoji="1" lang="ja-JP" altLang="en-US" sz="1400" b="0" i="0" kern="1200" dirty="0">
                           <a:solidFill>
                             <a:schemeClr val="tx1"/>
                           </a:solidFill>
@@ -28380,7 +28403,7 @@
                     <a:lstStyle/>
                     <a:p>
                       <a:r>
-                        <a:rPr kumimoji="1" lang="en-US" altLang="ja-JP" sz="1400" b="1" i="0" kern="1200" dirty="0" smtClean="0">
+                        <a:rPr kumimoji="1" lang="en-US" altLang="ja-JP" sz="1400" b="1" i="0" kern="1200" dirty="0">
                           <a:solidFill>
                             <a:schemeClr val="tx1"/>
                           </a:solidFill>
@@ -28394,7 +28417,7 @@
                     </a:p>
                     <a:p>
                       <a:r>
-                        <a:rPr kumimoji="1" lang="ja-JP" altLang="en-US" sz="1400" b="1" i="0" kern="1200" dirty="0" smtClean="0">
+                        <a:rPr kumimoji="1" lang="ja-JP" altLang="en-US" sz="1400" b="1" i="0" kern="1200" dirty="0">
                           <a:solidFill>
                             <a:schemeClr val="tx1"/>
                           </a:solidFill>
@@ -28464,7 +28487,7 @@
                     <a:lstStyle/>
                     <a:p>
                       <a:r>
-                        <a:rPr kumimoji="1" lang="ja-JP" altLang="en-US" sz="1400" b="0" i="0" kern="1200" dirty="0" smtClean="0">
+                        <a:rPr kumimoji="1" lang="ja-JP" altLang="en-US" sz="1400" b="0" i="0" kern="1200" dirty="0">
                           <a:solidFill>
                             <a:schemeClr val="tx1"/>
                           </a:solidFill>
@@ -28476,7 +28499,7 @@
                         <a:t>定期作業実行に登録された</a:t>
                       </a:r>
                       <a:r>
-                        <a:rPr kumimoji="1" lang="en-US" altLang="ja-JP" sz="1400" b="0" i="0" kern="1200" dirty="0" smtClean="0">
+                        <a:rPr kumimoji="1" lang="en-US" altLang="ja-JP" sz="1400" b="0" i="0" kern="1200" dirty="0">
                           <a:solidFill>
                             <a:schemeClr val="tx1"/>
                           </a:solidFill>
@@ -28488,7 +28511,7 @@
                         <a:t>Symphony</a:t>
                       </a:r>
                       <a:r>
-                        <a:rPr kumimoji="1" lang="ja-JP" altLang="en-US" sz="1400" b="0" i="0" kern="1200" dirty="0" smtClean="0">
+                        <a:rPr kumimoji="1" lang="ja-JP" altLang="en-US" sz="1400" b="0" i="0" kern="1200" dirty="0">
                           <a:solidFill>
                             <a:schemeClr val="tx1"/>
                           </a:solidFill>
@@ -28500,7 +28523,7 @@
                         <a:t>・</a:t>
                       </a:r>
                       <a:r>
-                        <a:rPr kumimoji="1" lang="en-US" altLang="ja-JP" sz="1400" b="0" i="0" kern="1200" dirty="0" smtClean="0">
+                        <a:rPr kumimoji="1" lang="en-US" altLang="ja-JP" sz="1400" b="0" i="0" kern="1200" dirty="0">
                           <a:solidFill>
                             <a:schemeClr val="tx1"/>
                           </a:solidFill>
@@ -28512,7 +28535,7 @@
                         <a:t>Conductor</a:t>
                       </a:r>
                       <a:r>
-                        <a:rPr kumimoji="1" lang="ja-JP" altLang="en-US" sz="1400" b="0" i="0" kern="1200" dirty="0" smtClean="0">
+                        <a:rPr kumimoji="1" lang="ja-JP" altLang="en-US" sz="1400" b="0" i="0" kern="1200" dirty="0">
                           <a:solidFill>
                             <a:schemeClr val="tx1"/>
                           </a:solidFill>
@@ -28523,7 +28546,7 @@
                         </a:rPr>
                         <a:t>が</a:t>
                       </a:r>
-                      <a:endParaRPr kumimoji="1" lang="en-US" altLang="ja-JP" sz="1400" b="0" i="0" kern="1200" dirty="0" smtClean="0">
+                      <a:endParaRPr kumimoji="1" lang="en-US" altLang="ja-JP" sz="1400" b="0" i="0" kern="1200" dirty="0">
                         <a:solidFill>
                           <a:schemeClr val="tx1"/>
                         </a:solidFill>
@@ -28535,7 +28558,7 @@
                     </a:p>
                     <a:p>
                       <a:r>
-                        <a:rPr kumimoji="1" lang="ja-JP" altLang="en-US" sz="1400" b="0" i="0" kern="1200" dirty="0" smtClean="0">
+                        <a:rPr kumimoji="1" lang="ja-JP" altLang="en-US" sz="1400" b="0" i="0" kern="1200" dirty="0">
                           <a:solidFill>
                             <a:schemeClr val="tx1"/>
                           </a:solidFill>
@@ -28612,7 +28635,7 @@
                     <a:lstStyle/>
                     <a:p>
                       <a:r>
-                        <a:rPr kumimoji="1" lang="ja-JP" altLang="en-US" sz="1400" b="1" i="0" kern="1200" dirty="0" smtClean="0">
+                        <a:rPr kumimoji="1" lang="ja-JP" altLang="en-US" sz="1400" b="1" i="0" kern="1200" dirty="0">
                           <a:solidFill>
                             <a:schemeClr val="tx1"/>
                           </a:solidFill>
@@ -28682,7 +28705,7 @@
                     <a:lstStyle/>
                     <a:p>
                       <a:r>
-                        <a:rPr kumimoji="1" lang="ja-JP" altLang="en-US" sz="1400" b="0" i="0" kern="1200" dirty="0" smtClean="0">
+                        <a:rPr kumimoji="1" lang="ja-JP" altLang="en-US" sz="1400" b="0" i="0" kern="1200" dirty="0">
                           <a:solidFill>
                             <a:schemeClr val="tx1"/>
                           </a:solidFill>
@@ -28693,7 +28716,7 @@
                         </a:rPr>
                         <a:t>ログインしているユーザがどのロールに所属しているかを</a:t>
                       </a:r>
-                      <a:endParaRPr kumimoji="1" lang="en-US" altLang="ja-JP" sz="1400" b="0" i="0" kern="1200" dirty="0" smtClean="0">
+                      <a:endParaRPr kumimoji="1" lang="en-US" altLang="ja-JP" sz="1400" b="0" i="0" kern="1200" dirty="0">
                         <a:solidFill>
                           <a:schemeClr val="tx1"/>
                         </a:solidFill>
@@ -28705,7 +28728,7 @@
                     </a:p>
                     <a:p>
                       <a:r>
-                        <a:rPr kumimoji="1" lang="ja-JP" altLang="en-US" sz="1400" b="0" i="0" kern="1200" dirty="0" smtClean="0">
+                        <a:rPr kumimoji="1" lang="ja-JP" altLang="en-US" sz="1400" b="0" i="0" kern="1200" dirty="0">
                           <a:solidFill>
                             <a:schemeClr val="tx1"/>
                           </a:solidFill>
@@ -28717,7 +28740,7 @@
                         <a:t>表示する「ロール」ボタンの有効</a:t>
                       </a:r>
                       <a:r>
-                        <a:rPr kumimoji="1" lang="en-US" altLang="ja-JP" sz="1400" b="0" i="0" kern="1200" dirty="0" smtClean="0">
+                        <a:rPr kumimoji="1" lang="en-US" altLang="ja-JP" sz="1400" b="0" i="0" kern="1200" dirty="0">
                           <a:solidFill>
                             <a:schemeClr val="tx1"/>
                           </a:solidFill>
@@ -28729,7 +28752,7 @@
                         <a:t>/</a:t>
                       </a:r>
                       <a:r>
-                        <a:rPr kumimoji="1" lang="ja-JP" altLang="en-US" sz="1400" b="0" i="0" kern="1200" dirty="0" smtClean="0">
+                        <a:rPr kumimoji="1" lang="ja-JP" altLang="en-US" sz="1400" b="0" i="0" kern="1200" dirty="0">
                           <a:solidFill>
                             <a:schemeClr val="tx1"/>
                           </a:solidFill>
@@ -28961,23 +28984,7 @@
             </a:r>
             <a:r>
               <a:rPr lang="ja-JP" altLang="en-US" dirty="0"/>
-              <a:t>ユーザ毎にアクセスを許可するロールを付与することで</a:t>
-            </a:r>
-            <a:r>
-              <a:rPr lang="ja-JP" altLang="en-US" dirty="0" smtClean="0"/>
-              <a:t>、</a:t>
-            </a:r>
-            <a:r>
-              <a:rPr lang="ja-JP" altLang="en-US" dirty="0"/>
-              <a:t>ユーザ</a:t>
-            </a:r>
-            <a:r>
-              <a:rPr lang="ja-JP" altLang="en-US" dirty="0" smtClean="0"/>
-              <a:t>ごとに</a:t>
-            </a:r>
-            <a:r>
-              <a:rPr lang="ja-JP" altLang="en-US" dirty="0"/>
-              <a:t>メニューへのアクセスを制御することができます。また紐付の際には「メンテナンス可」「閲覧のみ」が選択でき、「メンテナンス可」を選択するとデータや履歴の確認、複製、更新、廃止を行えます。「閲覧のみ」を選択するとデータと履歴の確認のみ行うことができます。</a:t>
+              <a:t>ユーザ毎にアクセスを許可するロールを付与することで、ユーザごとにメニューへのアクセスを制御することができます。また紐付の際には「メンテナンス可」「閲覧のみ」が選択でき、「メンテナンス可」を選択するとデータや履歴の確認、複製、更新、廃止を行えます。「閲覧のみ」を選択するとデータと履歴の確認のみ行うことができます。</a:t>
             </a:r>
             <a:endParaRPr lang="en-US" altLang="ja-JP" b="1" dirty="0"/>
           </a:p>
